--- a/02_paper/02_study/02_fitbit paper/images/Fitbit_procedure_vertical_14_05_2024.pptx
+++ b/02_paper/02_study/02_fitbit paper/images/Fitbit_procedure_vertical_14_05_2024.pptx
@@ -112,6 +112,67 @@
 </p:presentation>
 </file>
 
+<file path=ppt/changesInfos/changesInfo1.xml><?xml version="1.0" encoding="utf-8"?>
+<pc:chgInfo xmlns:a="http://schemas.openxmlformats.org/drawingml/2006/main" xmlns:r="http://schemas.openxmlformats.org/officeDocument/2006/relationships" xmlns:ac="http://schemas.microsoft.com/office/drawing/2013/main/command" xmlns:pc="http://schemas.microsoft.com/office/powerpoint/2013/main/command">
+  <pc:docChgLst>
+    <pc:chgData name="Mandy Klatt" userId="505858402c07da9d" providerId="LiveId" clId="{4E30273F-F90C-47DD-B23C-7F7F572B7916}"/>
+    <pc:docChg chg="modSld">
+      <pc:chgData name="Mandy Klatt" userId="505858402c07da9d" providerId="LiveId" clId="{4E30273F-F90C-47DD-B23C-7F7F572B7916}" dt="2024-05-15T14:04:09.359" v="51" actId="1038"/>
+      <pc:docMkLst>
+        <pc:docMk/>
+      </pc:docMkLst>
+      <pc:sldChg chg="modSp mod">
+        <pc:chgData name="Mandy Klatt" userId="505858402c07da9d" providerId="LiveId" clId="{4E30273F-F90C-47DD-B23C-7F7F572B7916}" dt="2024-05-15T14:04:09.359" v="51" actId="1038"/>
+        <pc:sldMkLst>
+          <pc:docMk/>
+          <pc:sldMk cId="418931675" sldId="259"/>
+        </pc:sldMkLst>
+        <pc:spChg chg="mod">
+          <ac:chgData name="Mandy Klatt" userId="505858402c07da9d" providerId="LiveId" clId="{4E30273F-F90C-47DD-B23C-7F7F572B7916}" dt="2024-05-15T14:02:09.067" v="2" actId="14100"/>
+          <ac:spMkLst>
+            <pc:docMk/>
+            <pc:sldMk cId="418931675" sldId="259"/>
+            <ac:spMk id="88" creationId="{152DA62F-3CFD-79E2-F092-27E466A7196B}"/>
+          </ac:spMkLst>
+        </pc:spChg>
+        <pc:spChg chg="mod">
+          <ac:chgData name="Mandy Klatt" userId="505858402c07da9d" providerId="LiveId" clId="{4E30273F-F90C-47DD-B23C-7F7F572B7916}" dt="2024-05-15T14:02:59.833" v="39" actId="1036"/>
+          <ac:spMkLst>
+            <pc:docMk/>
+            <pc:sldMk cId="418931675" sldId="259"/>
+            <ac:spMk id="91" creationId="{3AC71295-7D84-9550-C195-30EEF2DFE336}"/>
+          </ac:spMkLst>
+        </pc:spChg>
+        <pc:spChg chg="mod">
+          <ac:chgData name="Mandy Klatt" userId="505858402c07da9d" providerId="LiveId" clId="{4E30273F-F90C-47DD-B23C-7F7F572B7916}" dt="2024-05-15T14:03:03.883" v="45" actId="1036"/>
+          <ac:spMkLst>
+            <pc:docMk/>
+            <pc:sldMk cId="418931675" sldId="259"/>
+            <ac:spMk id="92" creationId="{66E21411-3181-AC7D-338F-CE1449234845}"/>
+          </ac:spMkLst>
+        </pc:spChg>
+        <pc:spChg chg="mod">
+          <ac:chgData name="Mandy Klatt" userId="505858402c07da9d" providerId="LiveId" clId="{4E30273F-F90C-47DD-B23C-7F7F572B7916}" dt="2024-05-15T14:04:09.359" v="51" actId="1038"/>
+          <ac:spMkLst>
+            <pc:docMk/>
+            <pc:sldMk cId="418931675" sldId="259"/>
+            <ac:spMk id="96" creationId="{F1A4917B-AF7C-8905-8933-D63BDFBC1EB9}"/>
+          </ac:spMkLst>
+        </pc:spChg>
+        <pc:grpChg chg="mod">
+          <ac:chgData name="Mandy Klatt" userId="505858402c07da9d" providerId="LiveId" clId="{4E30273F-F90C-47DD-B23C-7F7F572B7916}" dt="2024-05-15T14:03:58.004" v="46" actId="1076"/>
+          <ac:grpSpMkLst>
+            <pc:docMk/>
+            <pc:sldMk cId="418931675" sldId="259"/>
+            <ac:grpSpMk id="93" creationId="{9975354D-1BA3-DF25-734D-61EE4FFDE582}"/>
+          </ac:grpSpMkLst>
+        </pc:grpChg>
+      </pc:sldChg>
+    </pc:docChg>
+  </pc:docChgLst>
+</pc:chgInfo>
+</file>
+
 <file path=ppt/slideLayouts/slideLayout1.xml><?xml version="1.0" encoding="utf-8"?>
 <p:sldLayout xmlns:a="http://schemas.openxmlformats.org/drawingml/2006/main" xmlns:r="http://schemas.openxmlformats.org/officeDocument/2006/relationships" xmlns:p="http://schemas.openxmlformats.org/presentationml/2006/main" type="title" preserve="1">
   <p:cSld name="Titelfolie">
@@ -243,7 +304,7 @@
           <a:p>
             <a:fld id="{B0C21B45-FEDD-4AF9-9D2C-ABB5B5046193}" type="datetimeFigureOut">
               <a:rPr lang="de-DE" smtClean="0"/>
-              <a:t>14.05.2024</a:t>
+              <a:t>15.05.2024</a:t>
             </a:fld>
             <a:endParaRPr lang="de-DE"/>
           </a:p>
@@ -413,7 +474,7 @@
           <a:p>
             <a:fld id="{B0C21B45-FEDD-4AF9-9D2C-ABB5B5046193}" type="datetimeFigureOut">
               <a:rPr lang="de-DE" smtClean="0"/>
-              <a:t>14.05.2024</a:t>
+              <a:t>15.05.2024</a:t>
             </a:fld>
             <a:endParaRPr lang="de-DE"/>
           </a:p>
@@ -593,7 +654,7 @@
           <a:p>
             <a:fld id="{B0C21B45-FEDD-4AF9-9D2C-ABB5B5046193}" type="datetimeFigureOut">
               <a:rPr lang="de-DE" smtClean="0"/>
-              <a:t>14.05.2024</a:t>
+              <a:t>15.05.2024</a:t>
             </a:fld>
             <a:endParaRPr lang="de-DE"/>
           </a:p>
@@ -763,7 +824,7 @@
           <a:p>
             <a:fld id="{B0C21B45-FEDD-4AF9-9D2C-ABB5B5046193}" type="datetimeFigureOut">
               <a:rPr lang="de-DE" smtClean="0"/>
-              <a:t>14.05.2024</a:t>
+              <a:t>15.05.2024</a:t>
             </a:fld>
             <a:endParaRPr lang="de-DE"/>
           </a:p>
@@ -1007,7 +1068,7 @@
           <a:p>
             <a:fld id="{B0C21B45-FEDD-4AF9-9D2C-ABB5B5046193}" type="datetimeFigureOut">
               <a:rPr lang="de-DE" smtClean="0"/>
-              <a:t>14.05.2024</a:t>
+              <a:t>15.05.2024</a:t>
             </a:fld>
             <a:endParaRPr lang="de-DE"/>
           </a:p>
@@ -1239,7 +1300,7 @@
           <a:p>
             <a:fld id="{B0C21B45-FEDD-4AF9-9D2C-ABB5B5046193}" type="datetimeFigureOut">
               <a:rPr lang="de-DE" smtClean="0"/>
-              <a:t>14.05.2024</a:t>
+              <a:t>15.05.2024</a:t>
             </a:fld>
             <a:endParaRPr lang="de-DE"/>
           </a:p>
@@ -1606,7 +1667,7 @@
           <a:p>
             <a:fld id="{B0C21B45-FEDD-4AF9-9D2C-ABB5B5046193}" type="datetimeFigureOut">
               <a:rPr lang="de-DE" smtClean="0"/>
-              <a:t>14.05.2024</a:t>
+              <a:t>15.05.2024</a:t>
             </a:fld>
             <a:endParaRPr lang="de-DE"/>
           </a:p>
@@ -1724,7 +1785,7 @@
           <a:p>
             <a:fld id="{B0C21B45-FEDD-4AF9-9D2C-ABB5B5046193}" type="datetimeFigureOut">
               <a:rPr lang="de-DE" smtClean="0"/>
-              <a:t>14.05.2024</a:t>
+              <a:t>15.05.2024</a:t>
             </a:fld>
             <a:endParaRPr lang="de-DE"/>
           </a:p>
@@ -1819,7 +1880,7 @@
           <a:p>
             <a:fld id="{B0C21B45-FEDD-4AF9-9D2C-ABB5B5046193}" type="datetimeFigureOut">
               <a:rPr lang="de-DE" smtClean="0"/>
-              <a:t>14.05.2024</a:t>
+              <a:t>15.05.2024</a:t>
             </a:fld>
             <a:endParaRPr lang="de-DE"/>
           </a:p>
@@ -2096,7 +2157,7 @@
           <a:p>
             <a:fld id="{B0C21B45-FEDD-4AF9-9D2C-ABB5B5046193}" type="datetimeFigureOut">
               <a:rPr lang="de-DE" smtClean="0"/>
-              <a:t>14.05.2024</a:t>
+              <a:t>15.05.2024</a:t>
             </a:fld>
             <a:endParaRPr lang="de-DE"/>
           </a:p>
@@ -2353,7 +2414,7 @@
           <a:p>
             <a:fld id="{B0C21B45-FEDD-4AF9-9D2C-ABB5B5046193}" type="datetimeFigureOut">
               <a:rPr lang="de-DE" smtClean="0"/>
-              <a:t>14.05.2024</a:t>
+              <a:t>15.05.2024</a:t>
             </a:fld>
             <a:endParaRPr lang="de-DE"/>
           </a:p>
@@ -2566,7 +2627,7 @@
           <a:p>
             <a:fld id="{B0C21B45-FEDD-4AF9-9D2C-ABB5B5046193}" type="datetimeFigureOut">
               <a:rPr lang="de-DE" smtClean="0"/>
-              <a:t>14.05.2024</a:t>
+              <a:t>15.05.2024</a:t>
             </a:fld>
             <a:endParaRPr lang="de-DE"/>
           </a:p>
@@ -5571,7 +5632,7 @@
         <p:spPr>
           <a:xfrm>
             <a:off x="903333" y="2519069"/>
-            <a:ext cx="1088509" cy="523220"/>
+            <a:ext cx="1328473" cy="523220"/>
           </a:xfrm>
           <a:prstGeom prst="rect">
             <a:avLst/>
@@ -5735,8 +5796,8 @@
         </p:nvSpPr>
         <p:spPr>
           <a:xfrm>
-            <a:off x="903333" y="6506451"/>
-            <a:ext cx="1088509" cy="523220"/>
+            <a:off x="903333" y="6513326"/>
+            <a:ext cx="1328473" cy="523220"/>
           </a:xfrm>
           <a:prstGeom prst="rect">
             <a:avLst/>
@@ -5786,8 +5847,8 @@
         </p:nvSpPr>
         <p:spPr>
           <a:xfrm>
-            <a:off x="903333" y="8901825"/>
-            <a:ext cx="1328473" cy="307777"/>
+            <a:off x="903333" y="8860575"/>
+            <a:ext cx="994219" cy="523220"/>
           </a:xfrm>
           <a:prstGeom prst="rect">
             <a:avLst/>
@@ -5837,7 +5898,7 @@
         </p:nvGrpSpPr>
         <p:grpSpPr>
           <a:xfrm>
-            <a:off x="1065559" y="10282284"/>
+            <a:off x="765273" y="10304004"/>
             <a:ext cx="742707" cy="307905"/>
             <a:chOff x="3703319" y="2530348"/>
             <a:chExt cx="880103" cy="505713"/>
@@ -5949,7 +6010,7 @@
         </p:nvSpPr>
         <p:spPr>
           <a:xfrm>
-            <a:off x="1738416" y="10304004"/>
+            <a:off x="1430011" y="10304004"/>
             <a:ext cx="2260600" cy="276999"/>
           </a:xfrm>
           <a:prstGeom prst="rect">
